--- a/gr-workshop.pptx
+++ b/gr-workshop.pptx
@@ -5,7 +5,7 @@
     <p:sldMasterId id="2147483660" r:id="rId1"/>
   </p:sldMasterIdLst>
   <p:notesMasterIdLst>
-    <p:notesMasterId r:id="rId16"/>
+    <p:notesMasterId r:id="rId21"/>
   </p:notesMasterIdLst>
   <p:sldIdLst>
     <p:sldId id="259" r:id="rId2"/>
@@ -17,11 +17,16 @@
     <p:sldId id="313" r:id="rId8"/>
     <p:sldId id="314" r:id="rId9"/>
     <p:sldId id="315" r:id="rId10"/>
-    <p:sldId id="312" r:id="rId11"/>
-    <p:sldId id="287" r:id="rId12"/>
-    <p:sldId id="310" r:id="rId13"/>
-    <p:sldId id="309" r:id="rId14"/>
-    <p:sldId id="264" r:id="rId15"/>
+    <p:sldId id="319" r:id="rId11"/>
+    <p:sldId id="320" r:id="rId12"/>
+    <p:sldId id="318" r:id="rId13"/>
+    <p:sldId id="312" r:id="rId14"/>
+    <p:sldId id="287" r:id="rId15"/>
+    <p:sldId id="316" r:id="rId16"/>
+    <p:sldId id="317" r:id="rId17"/>
+    <p:sldId id="310" r:id="rId18"/>
+    <p:sldId id="309" r:id="rId19"/>
+    <p:sldId id="264" r:id="rId20"/>
   </p:sldIdLst>
   <p:sldSz cx="9144000" cy="6858000" type="screen4x3"/>
   <p:notesSz cx="6858000" cy="9144000"/>
@@ -630,7 +635,7 @@
           <a:p>
             <a:fld id="{A0EA9BD5-D00A-064D-A109-2BDEBC314DB3}" type="slidenum">
               <a:rPr lang="en-US" smtClean="0"/>
-              <a:t>14</a:t>
+              <a:t>19</a:t>
             </a:fld>
             <a:endParaRPr lang="en-US"/>
           </a:p>
@@ -2261,7 +2266,7 @@
           <p:cNvPr id="2" name="Title 1">
             <a:extLst>
               <a:ext uri="{FF2B5EF4-FFF2-40B4-BE49-F238E27FC236}">
-                <a16:creationId xmlns:a16="http://schemas.microsoft.com/office/drawing/2014/main" id="{575DE345-7B16-4E07-8E29-006EDABF5AEB}"/>
+                <a16:creationId xmlns:a16="http://schemas.microsoft.com/office/drawing/2014/main" id="{C77DD7C3-8B19-469D-B9E3-9235A7723BF6}"/>
               </a:ext>
             </a:extLst>
           </p:cNvPr>
@@ -2279,7 +2284,7 @@
           <a:p>
             <a:r>
               <a:rPr lang="en-US" dirty="0"/>
-              <a:t>GNU Radio is an Ecosystem</a:t>
+              <a:t>Building Flow graphs</a:t>
             </a:r>
           </a:p>
         </p:txBody>
@@ -2289,7 +2294,7 @@
           <p:cNvPr id="3" name="Content Placeholder 2">
             <a:extLst>
               <a:ext uri="{FF2B5EF4-FFF2-40B4-BE49-F238E27FC236}">
-                <a16:creationId xmlns:a16="http://schemas.microsoft.com/office/drawing/2014/main" id="{257D0794-2E4F-48F2-ABF3-7BDBED2E5197}"/>
+                <a16:creationId xmlns:a16="http://schemas.microsoft.com/office/drawing/2014/main" id="{D9DE7A13-9A43-49CC-900D-11A0C70436C6}"/>
               </a:ext>
             </a:extLst>
           </p:cNvPr>
@@ -2305,48 +2310,7 @@
           <a:bodyPr/>
           <a:lstStyle/>
           <a:p>
-            <a:r>
-              <a:rPr lang="en-US" dirty="0"/>
-              <a:t>Active Open Source community</a:t>
-            </a:r>
-          </a:p>
-          <a:p>
-            <a:r>
-              <a:rPr lang="en-US" dirty="0" err="1"/>
-              <a:t>PyBombs</a:t>
-            </a:r>
-            <a:endParaRPr lang="en-US" dirty="0"/>
-          </a:p>
-          <a:p>
-            <a:r>
-              <a:rPr lang="en-US" dirty="0" err="1"/>
-              <a:t>GRCon</a:t>
-            </a:r>
-            <a:endParaRPr lang="en-US" dirty="0"/>
-          </a:p>
-          <a:p>
-            <a:r>
-              <a:rPr lang="en-US" dirty="0"/>
-              <a:t>FOSDEM SDR </a:t>
-            </a:r>
-            <a:r>
-              <a:rPr lang="en-US" dirty="0" err="1"/>
-              <a:t>DevRoom</a:t>
-            </a:r>
-            <a:endParaRPr lang="en-US" dirty="0"/>
-          </a:p>
-          <a:p>
-            <a:r>
-              <a:rPr lang="en-US" dirty="0" err="1"/>
-              <a:t>GSoC</a:t>
-            </a:r>
-            <a:endParaRPr lang="en-US" dirty="0"/>
-          </a:p>
-          <a:p>
-            <a:r>
-              <a:rPr lang="en-US" dirty="0"/>
-              <a:t>SDR Academy</a:t>
-            </a:r>
+            <a:endParaRPr lang="en-US"/>
           </a:p>
         </p:txBody>
       </p:sp>
@@ -2355,7 +2319,7 @@
           <p:cNvPr id="4" name="Slide Number Placeholder 3">
             <a:extLst>
               <a:ext uri="{FF2B5EF4-FFF2-40B4-BE49-F238E27FC236}">
-                <a16:creationId xmlns:a16="http://schemas.microsoft.com/office/drawing/2014/main" id="{41E4BEFC-42F8-4D75-AE89-7AA6F0FF1484}"/>
+                <a16:creationId xmlns:a16="http://schemas.microsoft.com/office/drawing/2014/main" id="{F99A035F-3DDC-4ED6-B42E-FFDACF710E9C}"/>
               </a:ext>
             </a:extLst>
           </p:cNvPr>
@@ -2385,7 +2349,7 @@
           <p:cNvPr id="5" name="Footer Placeholder 4">
             <a:extLst>
               <a:ext uri="{FF2B5EF4-FFF2-40B4-BE49-F238E27FC236}">
-                <a16:creationId xmlns:a16="http://schemas.microsoft.com/office/drawing/2014/main" id="{1073CC40-271E-4F4E-A2F0-3103B3D7A3A8}"/>
+                <a16:creationId xmlns:a16="http://schemas.microsoft.com/office/drawing/2014/main" id="{14C6B0C5-9531-4720-82FF-A173BB7D86F4}"/>
               </a:ext>
             </a:extLst>
           </p:cNvPr>
@@ -2412,7 +2376,7 @@
     </p:spTree>
     <p:extLst>
       <p:ext uri="{BB962C8B-B14F-4D97-AF65-F5344CB8AC3E}">
-        <p14:creationId xmlns:p14="http://schemas.microsoft.com/office/powerpoint/2010/main" val="3955687892"/>
+        <p14:creationId xmlns:p14="http://schemas.microsoft.com/office/powerpoint/2010/main" val="1330187798"/>
       </p:ext>
     </p:extLst>
   </p:cSld>
@@ -2441,7 +2405,13 @@
       </p:grpSpPr>
       <p:sp>
         <p:nvSpPr>
-          <p:cNvPr id="2" name="Title 1"/>
+          <p:cNvPr id="2" name="Title 1">
+            <a:extLst>
+              <a:ext uri="{FF2B5EF4-FFF2-40B4-BE49-F238E27FC236}">
+                <a16:creationId xmlns:a16="http://schemas.microsoft.com/office/drawing/2014/main" id="{CD61511D-03E8-4AC1-8289-6D1ADA806D9A}"/>
+              </a:ext>
+            </a:extLst>
+          </p:cNvPr>
           <p:cNvSpPr>
             <a:spLocks noGrp="1"/>
           </p:cNvSpPr>
@@ -2456,53 +2426,45 @@
           <a:p>
             <a:r>
               <a:rPr lang="en-US" dirty="0"/>
-              <a:t>GQRX </a:t>
-            </a:r>
-            <a:r>
-              <a:rPr lang="en-US" dirty="0">
-                <a:latin typeface="Times New Roman" panose="02020603050405020304" pitchFamily="18" charset="0"/>
-                <a:cs typeface="Times New Roman" panose="02020603050405020304" pitchFamily="18" charset="0"/>
-              </a:rPr>
-              <a:t>-</a:t>
-            </a:r>
-            <a:r>
-              <a:rPr lang="en-US" dirty="0"/>
-              <a:t> a GNU Radio Application</a:t>
-            </a:r>
-          </a:p>
-        </p:txBody>
-      </p:sp>
-      <p:pic>
-        <p:nvPicPr>
-          <p:cNvPr id="7" name="Content Placeholder 6"/>
-          <p:cNvPicPr>
-            <a:picLocks noGrp="1" noChangeAspect="1"/>
-          </p:cNvPicPr>
+              <a:t>GUI Output and Instrumentation</a:t>
+            </a:r>
+          </a:p>
+        </p:txBody>
+      </p:sp>
+      <p:sp>
+        <p:nvSpPr>
+          <p:cNvPr id="3" name="Content Placeholder 2">
+            <a:extLst>
+              <a:ext uri="{FF2B5EF4-FFF2-40B4-BE49-F238E27FC236}">
+                <a16:creationId xmlns:a16="http://schemas.microsoft.com/office/drawing/2014/main" id="{0AD85DFB-C321-4350-B5BB-1A4220BEF599}"/>
+              </a:ext>
+            </a:extLst>
+          </p:cNvPr>
+          <p:cNvSpPr>
+            <a:spLocks noGrp="1"/>
+          </p:cNvSpPr>
           <p:nvPr>
             <p:ph idx="1"/>
           </p:nvPr>
-        </p:nvPicPr>
-        <p:blipFill rotWithShape="1">
-          <a:blip r:embed="rId2">
-            <a:extLst>
-              <a:ext uri="{28A0092B-C50C-407E-A947-70E740481C1C}">
-                <a14:useLocalDpi xmlns:a14="http://schemas.microsoft.com/office/drawing/2010/main" val="0"/>
-              </a:ext>
-            </a:extLst>
-          </a:blip>
-          <a:srcRect t="3025" b="5947"/>
-          <a:stretch/>
-        </p:blipFill>
-        <p:spPr>
-          <a:xfrm>
-            <a:off x="0" y="1095152"/>
-            <a:ext cx="9144000" cy="5202249"/>
-          </a:xfrm>
-        </p:spPr>
-      </p:pic>
-      <p:sp>
-        <p:nvSpPr>
-          <p:cNvPr id="4" name="Slide Number Placeholder 3"/>
+        </p:nvSpPr>
+        <p:spPr/>
+        <p:txBody>
+          <a:bodyPr/>
+          <a:lstStyle/>
+          <a:p>
+            <a:endParaRPr lang="en-US"/>
+          </a:p>
+        </p:txBody>
+      </p:sp>
+      <p:sp>
+        <p:nvSpPr>
+          <p:cNvPr id="4" name="Slide Number Placeholder 3">
+            <a:extLst>
+              <a:ext uri="{FF2B5EF4-FFF2-40B4-BE49-F238E27FC236}">
+                <a16:creationId xmlns:a16="http://schemas.microsoft.com/office/drawing/2014/main" id="{883AE588-632F-4A0F-83D9-5DCC5CF662F2}"/>
+              </a:ext>
+            </a:extLst>
+          </p:cNvPr>
           <p:cNvSpPr>
             <a:spLocks noGrp="1"/>
           </p:cNvSpPr>
@@ -2526,7 +2488,13 @@
       </p:sp>
       <p:sp>
         <p:nvSpPr>
-          <p:cNvPr id="5" name="Footer Placeholder 4"/>
+          <p:cNvPr id="5" name="Footer Placeholder 4">
+            <a:extLst>
+              <a:ext uri="{FF2B5EF4-FFF2-40B4-BE49-F238E27FC236}">
+                <a16:creationId xmlns:a16="http://schemas.microsoft.com/office/drawing/2014/main" id="{5C3D59F5-AF6E-4BA6-B1E9-E6F8C2CD8F7D}"/>
+              </a:ext>
+            </a:extLst>
+          </p:cNvPr>
           <p:cNvSpPr>
             <a:spLocks noGrp="1"/>
           </p:cNvSpPr>
@@ -2550,7 +2518,7 @@
     </p:spTree>
     <p:extLst>
       <p:ext uri="{BB962C8B-B14F-4D97-AF65-F5344CB8AC3E}">
-        <p14:creationId xmlns:p14="http://schemas.microsoft.com/office/powerpoint/2010/main" val="163818200"/>
+        <p14:creationId xmlns:p14="http://schemas.microsoft.com/office/powerpoint/2010/main" val="595142020"/>
       </p:ext>
     </p:extLst>
   </p:cSld>
@@ -2582,7 +2550,7 @@
           <p:cNvPr id="2" name="Title 1">
             <a:extLst>
               <a:ext uri="{FF2B5EF4-FFF2-40B4-BE49-F238E27FC236}">
-                <a16:creationId xmlns:a16="http://schemas.microsoft.com/office/drawing/2014/main" id="{453FC37C-3F5B-488B-90AF-F230A690A87F}"/>
+                <a16:creationId xmlns:a16="http://schemas.microsoft.com/office/drawing/2014/main" id="{F769A365-5B58-4B40-A449-2A4B903E5FCE}"/>
               </a:ext>
             </a:extLst>
           </p:cNvPr>
@@ -2600,7 +2568,7 @@
           <a:p>
             <a:r>
               <a:rPr lang="en-US" dirty="0"/>
-              <a:t>Installing GNU Radio</a:t>
+              <a:t>Out Of Tree Modules</a:t>
             </a:r>
           </a:p>
         </p:txBody>
@@ -2610,7 +2578,7 @@
           <p:cNvPr id="3" name="Content Placeholder 2">
             <a:extLst>
               <a:ext uri="{FF2B5EF4-FFF2-40B4-BE49-F238E27FC236}">
-                <a16:creationId xmlns:a16="http://schemas.microsoft.com/office/drawing/2014/main" id="{ACA0ABB9-85E7-4C07-BD0F-ED380E3163E1}"/>
+                <a16:creationId xmlns:a16="http://schemas.microsoft.com/office/drawing/2014/main" id="{69AFF63F-7F20-4794-A319-99EF4FCB7863}"/>
               </a:ext>
             </a:extLst>
           </p:cNvPr>
@@ -2621,74 +2589,33 @@
             <p:ph idx="1"/>
           </p:nvPr>
         </p:nvSpPr>
-        <p:spPr>
-          <a:xfrm>
-            <a:off x="628650" y="1319925"/>
-            <a:ext cx="7886700" cy="5043488"/>
-          </a:xfrm>
-        </p:spPr>
+        <p:spPr/>
         <p:txBody>
           <a:bodyPr/>
           <a:lstStyle/>
           <a:p>
-            <a:pPr>
-              <a:lnSpc>
-                <a:spcPct val="150000"/>
-              </a:lnSpc>
-            </a:pPr>
             <a:r>
               <a:rPr lang="en-US" dirty="0"/>
-              <a:t>From source: GitHub</a:t>
-            </a:r>
-          </a:p>
-          <a:p>
-            <a:pPr>
-              <a:lnSpc>
-                <a:spcPct val="150000"/>
-              </a:lnSpc>
-            </a:pPr>
+              <a:t>GNU Radio can be extended with OOTs</a:t>
+            </a:r>
+          </a:p>
+          <a:p>
             <a:r>
               <a:rPr lang="en-US" dirty="0"/>
-              <a:t>Package manager</a:t>
-            </a:r>
-          </a:p>
-          <a:p>
-            <a:pPr lvl="1">
-              <a:lnSpc>
-                <a:spcPct val="150000"/>
-              </a:lnSpc>
-            </a:pPr>
+              <a:t>OOTs cover more specific functionality</a:t>
+            </a:r>
+          </a:p>
+          <a:p>
             <a:r>
               <a:rPr lang="en-US" dirty="0"/>
-              <a:t>Some are pretty outdated</a:t>
-            </a:r>
-          </a:p>
-          <a:p>
-            <a:pPr>
-              <a:lnSpc>
-                <a:spcPct val="150000"/>
-              </a:lnSpc>
-            </a:pPr>
+              <a:t>There is a large number available</a:t>
+            </a:r>
+          </a:p>
+          <a:p>
             <a:r>
               <a:rPr lang="en-US" dirty="0"/>
-              <a:t>macOS / homebrew</a:t>
-            </a:r>
-          </a:p>
-          <a:p>
-            <a:pPr>
-              <a:lnSpc>
-                <a:spcPct val="150000"/>
-              </a:lnSpc>
-            </a:pPr>
-            <a:r>
-              <a:rPr lang="de-DE" b="1" dirty="0" err="1"/>
-              <a:t>PyBombs</a:t>
-            </a:r>
-            <a:r>
-              <a:rPr lang="en-US" dirty="0"/>
-              <a:t>: integrated dependency management and 3rd party application installation</a:t>
-            </a:r>
-            <a:endParaRPr lang="de-DE" dirty="0"/>
+              <a:t>CGRAN is our central database</a:t>
+            </a:r>
           </a:p>
         </p:txBody>
       </p:sp>
@@ -2697,7 +2624,7 @@
           <p:cNvPr id="4" name="Slide Number Placeholder 3">
             <a:extLst>
               <a:ext uri="{FF2B5EF4-FFF2-40B4-BE49-F238E27FC236}">
-                <a16:creationId xmlns:a16="http://schemas.microsoft.com/office/drawing/2014/main" id="{B6064E88-5471-4905-B44B-9550116AE11D}"/>
+                <a16:creationId xmlns:a16="http://schemas.microsoft.com/office/drawing/2014/main" id="{F73C3809-A6F1-4AC1-9ED8-6E708B554F1D}"/>
               </a:ext>
             </a:extLst>
           </p:cNvPr>
@@ -2727,7 +2654,7 @@
           <p:cNvPr id="5" name="Footer Placeholder 4">
             <a:extLst>
               <a:ext uri="{FF2B5EF4-FFF2-40B4-BE49-F238E27FC236}">
-                <a16:creationId xmlns:a16="http://schemas.microsoft.com/office/drawing/2014/main" id="{C9491874-E70C-4A96-91ED-049CA38E2236}"/>
+                <a16:creationId xmlns:a16="http://schemas.microsoft.com/office/drawing/2014/main" id="{0CE5652F-D20A-4B2A-90E8-4E7EFBD57989}"/>
               </a:ext>
             </a:extLst>
           </p:cNvPr>
@@ -2754,7 +2681,7 @@
     </p:spTree>
     <p:extLst>
       <p:ext uri="{BB962C8B-B14F-4D97-AF65-F5344CB8AC3E}">
-        <p14:creationId xmlns:p14="http://schemas.microsoft.com/office/powerpoint/2010/main" val="621655232"/>
+        <p14:creationId xmlns:p14="http://schemas.microsoft.com/office/powerpoint/2010/main" val="870844635"/>
       </p:ext>
     </p:extLst>
   </p:cSld>
@@ -2786,6 +2713,886 @@
           <p:cNvPr id="2" name="Title 1">
             <a:extLst>
               <a:ext uri="{FF2B5EF4-FFF2-40B4-BE49-F238E27FC236}">
+                <a16:creationId xmlns:a16="http://schemas.microsoft.com/office/drawing/2014/main" id="{575DE345-7B16-4E07-8E29-006EDABF5AEB}"/>
+              </a:ext>
+            </a:extLst>
+          </p:cNvPr>
+          <p:cNvSpPr>
+            <a:spLocks noGrp="1"/>
+          </p:cNvSpPr>
+          <p:nvPr>
+            <p:ph type="title"/>
+          </p:nvPr>
+        </p:nvSpPr>
+        <p:spPr/>
+        <p:txBody>
+          <a:bodyPr/>
+          <a:lstStyle/>
+          <a:p>
+            <a:r>
+              <a:rPr lang="en-US" dirty="0"/>
+              <a:t>GNU Radio is an Ecosystem</a:t>
+            </a:r>
+          </a:p>
+        </p:txBody>
+      </p:sp>
+      <p:sp>
+        <p:nvSpPr>
+          <p:cNvPr id="3" name="Content Placeholder 2">
+            <a:extLst>
+              <a:ext uri="{FF2B5EF4-FFF2-40B4-BE49-F238E27FC236}">
+                <a16:creationId xmlns:a16="http://schemas.microsoft.com/office/drawing/2014/main" id="{257D0794-2E4F-48F2-ABF3-7BDBED2E5197}"/>
+              </a:ext>
+            </a:extLst>
+          </p:cNvPr>
+          <p:cNvSpPr>
+            <a:spLocks noGrp="1"/>
+          </p:cNvSpPr>
+          <p:nvPr>
+            <p:ph idx="1"/>
+          </p:nvPr>
+        </p:nvSpPr>
+        <p:spPr/>
+        <p:txBody>
+          <a:bodyPr/>
+          <a:lstStyle/>
+          <a:p>
+            <a:r>
+              <a:rPr lang="en-US" dirty="0"/>
+              <a:t>Active Open Source community</a:t>
+            </a:r>
+          </a:p>
+          <a:p>
+            <a:r>
+              <a:rPr lang="en-US" dirty="0" err="1"/>
+              <a:t>PyBombs</a:t>
+            </a:r>
+            <a:endParaRPr lang="en-US" dirty="0"/>
+          </a:p>
+          <a:p>
+            <a:r>
+              <a:rPr lang="en-US" dirty="0" err="1"/>
+              <a:t>GRCon</a:t>
+            </a:r>
+            <a:endParaRPr lang="en-US" dirty="0"/>
+          </a:p>
+          <a:p>
+            <a:r>
+              <a:rPr lang="en-US" dirty="0"/>
+              <a:t>GNU Radio Foundation</a:t>
+            </a:r>
+          </a:p>
+          <a:p>
+            <a:r>
+              <a:rPr lang="en-US" dirty="0"/>
+              <a:t>FOSDEM SDR </a:t>
+            </a:r>
+            <a:r>
+              <a:rPr lang="en-US" dirty="0" err="1"/>
+              <a:t>DevRoom</a:t>
+            </a:r>
+            <a:endParaRPr lang="en-US" dirty="0"/>
+          </a:p>
+          <a:p>
+            <a:r>
+              <a:rPr lang="en-US" dirty="0" err="1"/>
+              <a:t>GSoC</a:t>
+            </a:r>
+            <a:r>
+              <a:rPr lang="en-US" dirty="0"/>
+              <a:t>, </a:t>
+            </a:r>
+            <a:r>
+              <a:rPr lang="en-US" dirty="0" err="1"/>
+              <a:t>SoCIS</a:t>
+            </a:r>
+            <a:r>
+              <a:rPr lang="en-US" dirty="0"/>
+              <a:t>, R&amp;S Competition, SDR Academy</a:t>
+            </a:r>
+          </a:p>
+        </p:txBody>
+      </p:sp>
+      <p:sp>
+        <p:nvSpPr>
+          <p:cNvPr id="4" name="Slide Number Placeholder 3">
+            <a:extLst>
+              <a:ext uri="{FF2B5EF4-FFF2-40B4-BE49-F238E27FC236}">
+                <a16:creationId xmlns:a16="http://schemas.microsoft.com/office/drawing/2014/main" id="{41E4BEFC-42F8-4D75-AE89-7AA6F0FF1484}"/>
+              </a:ext>
+            </a:extLst>
+          </p:cNvPr>
+          <p:cNvSpPr>
+            <a:spLocks noGrp="1"/>
+          </p:cNvSpPr>
+          <p:nvPr>
+            <p:ph type="sldNum" sz="quarter" idx="4"/>
+          </p:nvPr>
+        </p:nvSpPr>
+        <p:spPr/>
+        <p:txBody>
+          <a:bodyPr/>
+          <a:lstStyle/>
+          <a:p>
+            <a:fld id="{B43BA642-7F15-184F-939E-4070E0E5D9B5}" type="slidenum">
+              <a:rPr lang="en-US" smtClean="0"/>
+              <a:pPr/>
+              <a:t>13</a:t>
+            </a:fld>
+            <a:endParaRPr lang="en-US" dirty="0"/>
+          </a:p>
+        </p:txBody>
+      </p:sp>
+      <p:sp>
+        <p:nvSpPr>
+          <p:cNvPr id="5" name="Footer Placeholder 4">
+            <a:extLst>
+              <a:ext uri="{FF2B5EF4-FFF2-40B4-BE49-F238E27FC236}">
+                <a16:creationId xmlns:a16="http://schemas.microsoft.com/office/drawing/2014/main" id="{1073CC40-271E-4F4E-A2F0-3103B3D7A3A8}"/>
+              </a:ext>
+            </a:extLst>
+          </p:cNvPr>
+          <p:cNvSpPr>
+            <a:spLocks noGrp="1"/>
+          </p:cNvSpPr>
+          <p:nvPr>
+            <p:ph type="ftr" sz="quarter" idx="10"/>
+          </p:nvPr>
+        </p:nvSpPr>
+        <p:spPr/>
+        <p:txBody>
+          <a:bodyPr/>
+          <a:lstStyle/>
+          <a:p>
+            <a:r>
+              <a:rPr lang="en-US"/>
+              <a:t>GNU Radio Workshop // SDR Academy</a:t>
+            </a:r>
+            <a:endParaRPr lang="en-US" dirty="0"/>
+          </a:p>
+        </p:txBody>
+      </p:sp>
+    </p:spTree>
+    <p:extLst>
+      <p:ext uri="{BB962C8B-B14F-4D97-AF65-F5344CB8AC3E}">
+        <p14:creationId xmlns:p14="http://schemas.microsoft.com/office/powerpoint/2010/main" val="3955687892"/>
+      </p:ext>
+    </p:extLst>
+  </p:cSld>
+  <p:clrMapOvr>
+    <a:masterClrMapping/>
+  </p:clrMapOvr>
+</p:sld>
+</file>
+
+<file path=ppt/slides/slide14.xml><?xml version="1.0" encoding="utf-8"?>
+<p:sld xmlns:a="http://schemas.openxmlformats.org/drawingml/2006/main" xmlns:r="http://schemas.openxmlformats.org/officeDocument/2006/relationships" xmlns:p="http://schemas.openxmlformats.org/presentationml/2006/main">
+  <p:cSld>
+    <p:spTree>
+      <p:nvGrpSpPr>
+        <p:cNvPr id="1" name=""/>
+        <p:cNvGrpSpPr/>
+        <p:nvPr/>
+      </p:nvGrpSpPr>
+      <p:grpSpPr>
+        <a:xfrm>
+          <a:off x="0" y="0"/>
+          <a:ext cx="0" cy="0"/>
+          <a:chOff x="0" y="0"/>
+          <a:chExt cx="0" cy="0"/>
+        </a:xfrm>
+      </p:grpSpPr>
+      <p:sp>
+        <p:nvSpPr>
+          <p:cNvPr id="2" name="Title 1"/>
+          <p:cNvSpPr>
+            <a:spLocks noGrp="1"/>
+          </p:cNvSpPr>
+          <p:nvPr>
+            <p:ph type="title"/>
+          </p:nvPr>
+        </p:nvSpPr>
+        <p:spPr/>
+        <p:txBody>
+          <a:bodyPr/>
+          <a:lstStyle/>
+          <a:p>
+            <a:r>
+              <a:rPr lang="en-US" dirty="0"/>
+              <a:t>GQRX </a:t>
+            </a:r>
+            <a:r>
+              <a:rPr lang="en-US" dirty="0">
+                <a:latin typeface="Times New Roman" panose="02020603050405020304" pitchFamily="18" charset="0"/>
+                <a:cs typeface="Times New Roman" panose="02020603050405020304" pitchFamily="18" charset="0"/>
+              </a:rPr>
+              <a:t>-</a:t>
+            </a:r>
+            <a:r>
+              <a:rPr lang="en-US" dirty="0"/>
+              <a:t> a GNU Radio Application</a:t>
+            </a:r>
+          </a:p>
+        </p:txBody>
+      </p:sp>
+      <p:pic>
+        <p:nvPicPr>
+          <p:cNvPr id="7" name="Content Placeholder 6"/>
+          <p:cNvPicPr>
+            <a:picLocks noGrp="1" noChangeAspect="1"/>
+          </p:cNvPicPr>
+          <p:nvPr>
+            <p:ph idx="1"/>
+          </p:nvPr>
+        </p:nvPicPr>
+        <p:blipFill rotWithShape="1">
+          <a:blip r:embed="rId2">
+            <a:extLst>
+              <a:ext uri="{28A0092B-C50C-407E-A947-70E740481C1C}">
+                <a14:useLocalDpi xmlns:a14="http://schemas.microsoft.com/office/drawing/2010/main" val="0"/>
+              </a:ext>
+            </a:extLst>
+          </a:blip>
+          <a:srcRect t="3025" b="5947"/>
+          <a:stretch/>
+        </p:blipFill>
+        <p:spPr>
+          <a:xfrm>
+            <a:off x="0" y="1095152"/>
+            <a:ext cx="9144000" cy="5202249"/>
+          </a:xfrm>
+        </p:spPr>
+      </p:pic>
+      <p:sp>
+        <p:nvSpPr>
+          <p:cNvPr id="4" name="Slide Number Placeholder 3"/>
+          <p:cNvSpPr>
+            <a:spLocks noGrp="1"/>
+          </p:cNvSpPr>
+          <p:nvPr>
+            <p:ph type="sldNum" sz="quarter" idx="4"/>
+          </p:nvPr>
+        </p:nvSpPr>
+        <p:spPr/>
+        <p:txBody>
+          <a:bodyPr/>
+          <a:lstStyle/>
+          <a:p>
+            <a:fld id="{B43BA642-7F15-184F-939E-4070E0E5D9B5}" type="slidenum">
+              <a:rPr lang="en-US" smtClean="0"/>
+              <a:pPr/>
+              <a:t>14</a:t>
+            </a:fld>
+            <a:endParaRPr lang="en-US" dirty="0"/>
+          </a:p>
+        </p:txBody>
+      </p:sp>
+      <p:sp>
+        <p:nvSpPr>
+          <p:cNvPr id="5" name="Footer Placeholder 4"/>
+          <p:cNvSpPr>
+            <a:spLocks noGrp="1"/>
+          </p:cNvSpPr>
+          <p:nvPr>
+            <p:ph type="ftr" sz="quarter" idx="10"/>
+          </p:nvPr>
+        </p:nvSpPr>
+        <p:spPr/>
+        <p:txBody>
+          <a:bodyPr/>
+          <a:lstStyle/>
+          <a:p>
+            <a:r>
+              <a:rPr lang="en-US"/>
+              <a:t>GNU Radio Workshop // SDR Academy</a:t>
+            </a:r>
+            <a:endParaRPr lang="en-US" dirty="0"/>
+          </a:p>
+        </p:txBody>
+      </p:sp>
+    </p:spTree>
+    <p:extLst>
+      <p:ext uri="{BB962C8B-B14F-4D97-AF65-F5344CB8AC3E}">
+        <p14:creationId xmlns:p14="http://schemas.microsoft.com/office/powerpoint/2010/main" val="163818200"/>
+      </p:ext>
+    </p:extLst>
+  </p:cSld>
+  <p:clrMapOvr>
+    <a:masterClrMapping/>
+  </p:clrMapOvr>
+</p:sld>
+</file>
+
+<file path=ppt/slides/slide15.xml><?xml version="1.0" encoding="utf-8"?>
+<p:sld xmlns:a="http://schemas.openxmlformats.org/drawingml/2006/main" xmlns:r="http://schemas.openxmlformats.org/officeDocument/2006/relationships" xmlns:p="http://schemas.openxmlformats.org/presentationml/2006/main">
+  <p:cSld>
+    <p:spTree>
+      <p:nvGrpSpPr>
+        <p:cNvPr id="1" name=""/>
+        <p:cNvGrpSpPr/>
+        <p:nvPr/>
+      </p:nvGrpSpPr>
+      <p:grpSpPr>
+        <a:xfrm>
+          <a:off x="0" y="0"/>
+          <a:ext cx="0" cy="0"/>
+          <a:chOff x="0" y="0"/>
+          <a:chExt cx="0" cy="0"/>
+        </a:xfrm>
+      </p:grpSpPr>
+      <p:sp>
+        <p:nvSpPr>
+          <p:cNvPr id="2" name="Title 1">
+            <a:extLst>
+              <a:ext uri="{FF2B5EF4-FFF2-40B4-BE49-F238E27FC236}">
+                <a16:creationId xmlns:a16="http://schemas.microsoft.com/office/drawing/2014/main" id="{3EBEF572-EEBC-401D-9C7A-01BEED758658}"/>
+              </a:ext>
+            </a:extLst>
+          </p:cNvPr>
+          <p:cNvSpPr>
+            <a:spLocks noGrp="1"/>
+          </p:cNvSpPr>
+          <p:nvPr>
+            <p:ph type="title"/>
+          </p:nvPr>
+        </p:nvSpPr>
+        <p:spPr>
+          <a:xfrm>
+            <a:off x="628650" y="-4151"/>
+            <a:ext cx="7886700" cy="934670"/>
+          </a:xfrm>
+        </p:spPr>
+        <p:txBody>
+          <a:bodyPr/>
+          <a:lstStyle/>
+          <a:p>
+            <a:r>
+              <a:rPr lang="en-US" dirty="0"/>
+              <a:t>GNU Radio is used by</a:t>
+            </a:r>
+          </a:p>
+        </p:txBody>
+      </p:sp>
+      <p:sp>
+        <p:nvSpPr>
+          <p:cNvPr id="3" name="Content Placeholder 2">
+            <a:extLst>
+              <a:ext uri="{FF2B5EF4-FFF2-40B4-BE49-F238E27FC236}">
+                <a16:creationId xmlns:a16="http://schemas.microsoft.com/office/drawing/2014/main" id="{1A628F85-03C2-40C8-A65D-6303D192377E}"/>
+              </a:ext>
+            </a:extLst>
+          </p:cNvPr>
+          <p:cNvSpPr>
+            <a:spLocks noGrp="1"/>
+          </p:cNvSpPr>
+          <p:nvPr>
+            <p:ph idx="1"/>
+          </p:nvPr>
+        </p:nvSpPr>
+        <p:spPr/>
+        <p:txBody>
+          <a:bodyPr/>
+          <a:lstStyle/>
+          <a:p>
+            <a:r>
+              <a:rPr lang="en-US" dirty="0"/>
+              <a:t>Academia</a:t>
+            </a:r>
+          </a:p>
+          <a:p>
+            <a:r>
+              <a:rPr lang="en-US" dirty="0"/>
+              <a:t>Industry</a:t>
+            </a:r>
+          </a:p>
+          <a:p>
+            <a:r>
+              <a:rPr lang="en-US" dirty="0"/>
+              <a:t>Government</a:t>
+            </a:r>
+          </a:p>
+          <a:p>
+            <a:r>
+              <a:rPr lang="en-US" dirty="0"/>
+              <a:t>Hobbyists</a:t>
+            </a:r>
+          </a:p>
+          <a:p>
+            <a:endParaRPr lang="en-US" dirty="0"/>
+          </a:p>
+        </p:txBody>
+      </p:sp>
+      <p:sp>
+        <p:nvSpPr>
+          <p:cNvPr id="4" name="Slide Number Placeholder 3">
+            <a:extLst>
+              <a:ext uri="{FF2B5EF4-FFF2-40B4-BE49-F238E27FC236}">
+                <a16:creationId xmlns:a16="http://schemas.microsoft.com/office/drawing/2014/main" id="{5D5ACB3B-870A-41F8-A507-CF350B4E802D}"/>
+              </a:ext>
+            </a:extLst>
+          </p:cNvPr>
+          <p:cNvSpPr>
+            <a:spLocks noGrp="1"/>
+          </p:cNvSpPr>
+          <p:nvPr>
+            <p:ph type="sldNum" sz="quarter" idx="4"/>
+          </p:nvPr>
+        </p:nvSpPr>
+        <p:spPr>
+          <a:xfrm>
+            <a:off x="6457950" y="6340983"/>
+            <a:ext cx="2057400" cy="517018"/>
+          </a:xfrm>
+        </p:spPr>
+        <p:txBody>
+          <a:bodyPr/>
+          <a:lstStyle/>
+          <a:p>
+            <a:fld id="{B43BA642-7F15-184F-939E-4070E0E5D9B5}" type="slidenum">
+              <a:rPr lang="en-US" smtClean="0"/>
+              <a:pPr/>
+              <a:t>11</a:t>
+            </a:fld>
+            <a:endParaRPr lang="en-US" dirty="0"/>
+          </a:p>
+        </p:txBody>
+      </p:sp>
+      <p:sp>
+        <p:nvSpPr>
+          <p:cNvPr id="5" name="Footer Placeholder 4">
+            <a:extLst>
+              <a:ext uri="{FF2B5EF4-FFF2-40B4-BE49-F238E27FC236}">
+                <a16:creationId xmlns:a16="http://schemas.microsoft.com/office/drawing/2014/main" id="{AC394A76-D8AE-41FF-8CAB-68671A6D8942}"/>
+              </a:ext>
+            </a:extLst>
+          </p:cNvPr>
+          <p:cNvSpPr>
+            <a:spLocks noGrp="1"/>
+          </p:cNvSpPr>
+          <p:nvPr>
+            <p:ph type="ftr" sz="quarter" idx="10"/>
+          </p:nvPr>
+        </p:nvSpPr>
+        <p:spPr>
+          <a:xfrm>
+            <a:off x="628650" y="6340983"/>
+            <a:ext cx="3086100" cy="517017"/>
+          </a:xfrm>
+        </p:spPr>
+        <p:txBody>
+          <a:bodyPr/>
+          <a:lstStyle/>
+          <a:p>
+            <a:r>
+              <a:rPr lang="en-US"/>
+              <a:t>GNU Radio Workshop // SDR Academy</a:t>
+            </a:r>
+            <a:endParaRPr lang="en-US" dirty="0"/>
+          </a:p>
+        </p:txBody>
+      </p:sp>
+    </p:spTree>
+    <p:extLst>
+      <p:ext uri="{BB962C8B-B14F-4D97-AF65-F5344CB8AC3E}">
+        <p14:creationId xmlns:p14="http://schemas.microsoft.com/office/powerpoint/2010/main" val="652744702"/>
+      </p:ext>
+    </p:extLst>
+  </p:cSld>
+  <p:clrMapOvr>
+    <a:masterClrMapping/>
+  </p:clrMapOvr>
+</p:sld>
+</file>
+
+<file path=ppt/slides/slide16.xml><?xml version="1.0" encoding="utf-8"?>
+<p:sld xmlns:a="http://schemas.openxmlformats.org/drawingml/2006/main" xmlns:r="http://schemas.openxmlformats.org/officeDocument/2006/relationships" xmlns:p="http://schemas.openxmlformats.org/presentationml/2006/main">
+  <p:cSld>
+    <p:spTree>
+      <p:nvGrpSpPr>
+        <p:cNvPr id="1" name=""/>
+        <p:cNvGrpSpPr/>
+        <p:nvPr/>
+      </p:nvGrpSpPr>
+      <p:grpSpPr>
+        <a:xfrm>
+          <a:off x="0" y="0"/>
+          <a:ext cx="0" cy="0"/>
+          <a:chOff x="0" y="0"/>
+          <a:chExt cx="0" cy="0"/>
+        </a:xfrm>
+      </p:grpSpPr>
+      <p:sp>
+        <p:nvSpPr>
+          <p:cNvPr id="2" name="Title 1">
+            <a:extLst>
+              <a:ext uri="{FF2B5EF4-FFF2-40B4-BE49-F238E27FC236}">
+                <a16:creationId xmlns:a16="http://schemas.microsoft.com/office/drawing/2014/main" id="{08E47D8B-0283-4D91-80EE-3CC58D5E1F82}"/>
+              </a:ext>
+            </a:extLst>
+          </p:cNvPr>
+          <p:cNvSpPr>
+            <a:spLocks noGrp="1"/>
+          </p:cNvSpPr>
+          <p:nvPr>
+            <p:ph type="title"/>
+          </p:nvPr>
+        </p:nvSpPr>
+        <p:spPr/>
+        <p:txBody>
+          <a:bodyPr/>
+          <a:lstStyle/>
+          <a:p>
+            <a:r>
+              <a:rPr lang="en-US" dirty="0"/>
+              <a:t>GNU Radio is used for</a:t>
+            </a:r>
+          </a:p>
+        </p:txBody>
+      </p:sp>
+      <p:sp>
+        <p:nvSpPr>
+          <p:cNvPr id="3" name="Content Placeholder 2">
+            <a:extLst>
+              <a:ext uri="{FF2B5EF4-FFF2-40B4-BE49-F238E27FC236}">
+                <a16:creationId xmlns:a16="http://schemas.microsoft.com/office/drawing/2014/main" id="{B06378D5-5700-47A3-879C-78B16788F340}"/>
+              </a:ext>
+            </a:extLst>
+          </p:cNvPr>
+          <p:cNvSpPr>
+            <a:spLocks noGrp="1"/>
+          </p:cNvSpPr>
+          <p:nvPr>
+            <p:ph idx="1"/>
+          </p:nvPr>
+        </p:nvSpPr>
+        <p:spPr/>
+        <p:txBody>
+          <a:bodyPr/>
+          <a:lstStyle/>
+          <a:p>
+            <a:r>
+              <a:rPr lang="en-US" dirty="0"/>
+              <a:t>Signal processing</a:t>
+            </a:r>
+          </a:p>
+          <a:p>
+            <a:r>
+              <a:rPr lang="en-US" dirty="0"/>
+              <a:t>Ham radio</a:t>
+            </a:r>
+          </a:p>
+          <a:p>
+            <a:r>
+              <a:rPr lang="en-US" dirty="0"/>
+              <a:t>Security</a:t>
+            </a:r>
+          </a:p>
+          <a:p>
+            <a:r>
+              <a:rPr lang="en-US" dirty="0"/>
+              <a:t>Radio astronomy</a:t>
+            </a:r>
+          </a:p>
+        </p:txBody>
+      </p:sp>
+      <p:sp>
+        <p:nvSpPr>
+          <p:cNvPr id="4" name="Slide Number Placeholder 3">
+            <a:extLst>
+              <a:ext uri="{FF2B5EF4-FFF2-40B4-BE49-F238E27FC236}">
+                <a16:creationId xmlns:a16="http://schemas.microsoft.com/office/drawing/2014/main" id="{272F1B6C-032C-45F5-811A-2DEA61DF99C9}"/>
+              </a:ext>
+            </a:extLst>
+          </p:cNvPr>
+          <p:cNvSpPr>
+            <a:spLocks noGrp="1"/>
+          </p:cNvSpPr>
+          <p:nvPr>
+            <p:ph type="sldNum" sz="quarter" idx="4"/>
+          </p:nvPr>
+        </p:nvSpPr>
+        <p:spPr/>
+        <p:txBody>
+          <a:bodyPr/>
+          <a:lstStyle/>
+          <a:p>
+            <a:fld id="{B43BA642-7F15-184F-939E-4070E0E5D9B5}" type="slidenum">
+              <a:rPr lang="en-US" smtClean="0"/>
+              <a:pPr/>
+              <a:t>16</a:t>
+            </a:fld>
+            <a:endParaRPr lang="en-US" dirty="0"/>
+          </a:p>
+        </p:txBody>
+      </p:sp>
+      <p:sp>
+        <p:nvSpPr>
+          <p:cNvPr id="5" name="Footer Placeholder 4">
+            <a:extLst>
+              <a:ext uri="{FF2B5EF4-FFF2-40B4-BE49-F238E27FC236}">
+                <a16:creationId xmlns:a16="http://schemas.microsoft.com/office/drawing/2014/main" id="{F4D772FD-92C8-4D3D-8287-8616ACF12791}"/>
+              </a:ext>
+            </a:extLst>
+          </p:cNvPr>
+          <p:cNvSpPr>
+            <a:spLocks noGrp="1"/>
+          </p:cNvSpPr>
+          <p:nvPr>
+            <p:ph type="ftr" sz="quarter" idx="10"/>
+          </p:nvPr>
+        </p:nvSpPr>
+        <p:spPr/>
+        <p:txBody>
+          <a:bodyPr/>
+          <a:lstStyle/>
+          <a:p>
+            <a:r>
+              <a:rPr lang="en-US"/>
+              <a:t>GNU Radio Workshop // SDR Academy</a:t>
+            </a:r>
+            <a:endParaRPr lang="en-US" dirty="0"/>
+          </a:p>
+        </p:txBody>
+      </p:sp>
+    </p:spTree>
+    <p:extLst>
+      <p:ext uri="{BB962C8B-B14F-4D97-AF65-F5344CB8AC3E}">
+        <p14:creationId xmlns:p14="http://schemas.microsoft.com/office/powerpoint/2010/main" val="263839013"/>
+      </p:ext>
+    </p:extLst>
+  </p:cSld>
+  <p:clrMapOvr>
+    <a:masterClrMapping/>
+  </p:clrMapOvr>
+</p:sld>
+</file>
+
+<file path=ppt/slides/slide17.xml><?xml version="1.0" encoding="utf-8"?>
+<p:sld xmlns:a="http://schemas.openxmlformats.org/drawingml/2006/main" xmlns:r="http://schemas.openxmlformats.org/officeDocument/2006/relationships" xmlns:p="http://schemas.openxmlformats.org/presentationml/2006/main">
+  <p:cSld>
+    <p:spTree>
+      <p:nvGrpSpPr>
+        <p:cNvPr id="1" name=""/>
+        <p:cNvGrpSpPr/>
+        <p:nvPr/>
+      </p:nvGrpSpPr>
+      <p:grpSpPr>
+        <a:xfrm>
+          <a:off x="0" y="0"/>
+          <a:ext cx="0" cy="0"/>
+          <a:chOff x="0" y="0"/>
+          <a:chExt cx="0" cy="0"/>
+        </a:xfrm>
+      </p:grpSpPr>
+      <p:sp>
+        <p:nvSpPr>
+          <p:cNvPr id="2" name="Title 1">
+            <a:extLst>
+              <a:ext uri="{FF2B5EF4-FFF2-40B4-BE49-F238E27FC236}">
+                <a16:creationId xmlns:a16="http://schemas.microsoft.com/office/drawing/2014/main" id="{453FC37C-3F5B-488B-90AF-F230A690A87F}"/>
+              </a:ext>
+            </a:extLst>
+          </p:cNvPr>
+          <p:cNvSpPr>
+            <a:spLocks noGrp="1"/>
+          </p:cNvSpPr>
+          <p:nvPr>
+            <p:ph type="title"/>
+          </p:nvPr>
+        </p:nvSpPr>
+        <p:spPr/>
+        <p:txBody>
+          <a:bodyPr/>
+          <a:lstStyle/>
+          <a:p>
+            <a:r>
+              <a:rPr lang="en-US" dirty="0"/>
+              <a:t>Installing GNU Radio</a:t>
+            </a:r>
+          </a:p>
+        </p:txBody>
+      </p:sp>
+      <p:sp>
+        <p:nvSpPr>
+          <p:cNvPr id="3" name="Content Placeholder 2">
+            <a:extLst>
+              <a:ext uri="{FF2B5EF4-FFF2-40B4-BE49-F238E27FC236}">
+                <a16:creationId xmlns:a16="http://schemas.microsoft.com/office/drawing/2014/main" id="{ACA0ABB9-85E7-4C07-BD0F-ED380E3163E1}"/>
+              </a:ext>
+            </a:extLst>
+          </p:cNvPr>
+          <p:cNvSpPr>
+            <a:spLocks noGrp="1"/>
+          </p:cNvSpPr>
+          <p:nvPr>
+            <p:ph idx="1"/>
+          </p:nvPr>
+        </p:nvSpPr>
+        <p:spPr>
+          <a:xfrm>
+            <a:off x="628650" y="1319925"/>
+            <a:ext cx="7886700" cy="5043488"/>
+          </a:xfrm>
+        </p:spPr>
+        <p:txBody>
+          <a:bodyPr/>
+          <a:lstStyle/>
+          <a:p>
+            <a:pPr>
+              <a:lnSpc>
+                <a:spcPct val="150000"/>
+              </a:lnSpc>
+            </a:pPr>
+            <a:r>
+              <a:rPr lang="en-US" dirty="0"/>
+              <a:t>From source: GitHub</a:t>
+            </a:r>
+          </a:p>
+          <a:p>
+            <a:pPr>
+              <a:lnSpc>
+                <a:spcPct val="150000"/>
+              </a:lnSpc>
+            </a:pPr>
+            <a:r>
+              <a:rPr lang="en-US" dirty="0"/>
+              <a:t>Package manager</a:t>
+            </a:r>
+          </a:p>
+          <a:p>
+            <a:pPr lvl="1">
+              <a:lnSpc>
+                <a:spcPct val="150000"/>
+              </a:lnSpc>
+            </a:pPr>
+            <a:r>
+              <a:rPr lang="en-US" dirty="0"/>
+              <a:t>Some are pretty outdated</a:t>
+            </a:r>
+          </a:p>
+          <a:p>
+            <a:pPr>
+              <a:lnSpc>
+                <a:spcPct val="150000"/>
+              </a:lnSpc>
+            </a:pPr>
+            <a:r>
+              <a:rPr lang="en-US" dirty="0"/>
+              <a:t>macOS / homebrew</a:t>
+            </a:r>
+          </a:p>
+          <a:p>
+            <a:pPr>
+              <a:lnSpc>
+                <a:spcPct val="150000"/>
+              </a:lnSpc>
+            </a:pPr>
+            <a:r>
+              <a:rPr lang="de-DE" b="1" dirty="0" err="1"/>
+              <a:t>PyBombs</a:t>
+            </a:r>
+            <a:r>
+              <a:rPr lang="en-US" dirty="0"/>
+              <a:t>: integrated dependency management and 3rd party application installation</a:t>
+            </a:r>
+            <a:endParaRPr lang="de-DE" dirty="0"/>
+          </a:p>
+        </p:txBody>
+      </p:sp>
+      <p:sp>
+        <p:nvSpPr>
+          <p:cNvPr id="4" name="Slide Number Placeholder 3">
+            <a:extLst>
+              <a:ext uri="{FF2B5EF4-FFF2-40B4-BE49-F238E27FC236}">
+                <a16:creationId xmlns:a16="http://schemas.microsoft.com/office/drawing/2014/main" id="{B6064E88-5471-4905-B44B-9550116AE11D}"/>
+              </a:ext>
+            </a:extLst>
+          </p:cNvPr>
+          <p:cNvSpPr>
+            <a:spLocks noGrp="1"/>
+          </p:cNvSpPr>
+          <p:nvPr>
+            <p:ph type="sldNum" sz="quarter" idx="4"/>
+          </p:nvPr>
+        </p:nvSpPr>
+        <p:spPr/>
+        <p:txBody>
+          <a:bodyPr/>
+          <a:lstStyle/>
+          <a:p>
+            <a:fld id="{B43BA642-7F15-184F-939E-4070E0E5D9B5}" type="slidenum">
+              <a:rPr lang="en-US" smtClean="0"/>
+              <a:pPr/>
+              <a:t>17</a:t>
+            </a:fld>
+            <a:endParaRPr lang="en-US" dirty="0"/>
+          </a:p>
+        </p:txBody>
+      </p:sp>
+      <p:sp>
+        <p:nvSpPr>
+          <p:cNvPr id="5" name="Footer Placeholder 4">
+            <a:extLst>
+              <a:ext uri="{FF2B5EF4-FFF2-40B4-BE49-F238E27FC236}">
+                <a16:creationId xmlns:a16="http://schemas.microsoft.com/office/drawing/2014/main" id="{C9491874-E70C-4A96-91ED-049CA38E2236}"/>
+              </a:ext>
+            </a:extLst>
+          </p:cNvPr>
+          <p:cNvSpPr>
+            <a:spLocks noGrp="1"/>
+          </p:cNvSpPr>
+          <p:nvPr>
+            <p:ph type="ftr" sz="quarter" idx="10"/>
+          </p:nvPr>
+        </p:nvSpPr>
+        <p:spPr/>
+        <p:txBody>
+          <a:bodyPr/>
+          <a:lstStyle/>
+          <a:p>
+            <a:r>
+              <a:rPr lang="en-US"/>
+              <a:t>GNU Radio Workshop // SDR Academy</a:t>
+            </a:r>
+            <a:endParaRPr lang="en-US" dirty="0"/>
+          </a:p>
+        </p:txBody>
+      </p:sp>
+    </p:spTree>
+    <p:extLst>
+      <p:ext uri="{BB962C8B-B14F-4D97-AF65-F5344CB8AC3E}">
+        <p14:creationId xmlns:p14="http://schemas.microsoft.com/office/powerpoint/2010/main" val="621655232"/>
+      </p:ext>
+    </p:extLst>
+  </p:cSld>
+  <p:clrMapOvr>
+    <a:masterClrMapping/>
+  </p:clrMapOvr>
+</p:sld>
+</file>
+
+<file path=ppt/slides/slide18.xml><?xml version="1.0" encoding="utf-8"?>
+<p:sld xmlns:a="http://schemas.openxmlformats.org/drawingml/2006/main" xmlns:r="http://schemas.openxmlformats.org/officeDocument/2006/relationships" xmlns:p="http://schemas.openxmlformats.org/presentationml/2006/main">
+  <p:cSld>
+    <p:spTree>
+      <p:nvGrpSpPr>
+        <p:cNvPr id="1" name=""/>
+        <p:cNvGrpSpPr/>
+        <p:nvPr/>
+      </p:nvGrpSpPr>
+      <p:grpSpPr>
+        <a:xfrm>
+          <a:off x="0" y="0"/>
+          <a:ext cx="0" cy="0"/>
+          <a:chOff x="0" y="0"/>
+          <a:chExt cx="0" cy="0"/>
+        </a:xfrm>
+      </p:grpSpPr>
+      <p:sp>
+        <p:nvSpPr>
+          <p:cNvPr id="2" name="Title 1">
+            <a:extLst>
+              <a:ext uri="{FF2B5EF4-FFF2-40B4-BE49-F238E27FC236}">
                 <a16:creationId xmlns:a16="http://schemas.microsoft.com/office/drawing/2014/main" id="{2CFC99B9-B5B9-435E-B600-FA91F1477716}"/>
               </a:ext>
             </a:extLst>
@@ -2959,53 +3766,17 @@
                   <a:schemeClr val="tx1"/>
                 </a:solidFill>
               </a:rPr>
-              <a:t>IRC: </a:t>
-            </a:r>
-            <a:r>
-              <a:rPr lang="en-US" dirty="0">
+              <a:t>Facebook: </a:t>
+            </a:r>
+            <a:r>
+              <a:rPr lang="en-US" dirty="0" err="1">
                 <a:solidFill>
                   <a:schemeClr val="accent1">
                     <a:lumMod val="75000"/>
                   </a:schemeClr>
                 </a:solidFill>
               </a:rPr>
-              <a:t>#</a:t>
-            </a:r>
-            <a:r>
-              <a:rPr lang="en-US" dirty="0" err="1">
-                <a:solidFill>
-                  <a:schemeClr val="accent1">
-                    <a:lumMod val="75000"/>
-                  </a:schemeClr>
-                </a:solidFill>
-              </a:rPr>
-              <a:t>gnuradio</a:t>
-            </a:r>
-            <a:r>
-              <a:rPr lang="en-US" dirty="0">
-                <a:solidFill>
-                  <a:schemeClr val="accent1">
-                    <a:lumMod val="75000"/>
-                  </a:schemeClr>
-                </a:solidFill>
-              </a:rPr>
-              <a:t> </a:t>
-            </a:r>
-            <a:r>
-              <a:rPr lang="en-US" dirty="0">
-                <a:solidFill>
-                  <a:schemeClr val="tx1"/>
-                </a:solidFill>
-              </a:rPr>
-              <a:t>on </a:t>
-            </a:r>
-            <a:r>
-              <a:rPr lang="en-US" dirty="0" err="1">
-                <a:solidFill>
-                  <a:schemeClr val="tx1"/>
-                </a:solidFill>
-              </a:rPr>
-              <a:t>Freenode</a:t>
+              <a:t>gnuradioproject</a:t>
             </a:r>
             <a:endParaRPr lang="en-US" dirty="0">
               <a:solidFill>
@@ -3079,7 +3850,7 @@
             <a:fld id="{B43BA642-7F15-184F-939E-4070E0E5D9B5}" type="slidenum">
               <a:rPr lang="en-US" smtClean="0"/>
               <a:pPr/>
-              <a:t>13</a:t>
+              <a:t>18</a:t>
             </a:fld>
             <a:endParaRPr lang="en-US" dirty="0"/>
           </a:p>
@@ -3127,7 +3898,7 @@
 </p:sld>
 </file>
 
-<file path=ppt/slides/slide14.xml><?xml version="1.0" encoding="utf-8"?>
+<file path=ppt/slides/slide19.xml><?xml version="1.0" encoding="utf-8"?>
 <p:sld xmlns:a="http://schemas.openxmlformats.org/drawingml/2006/main" xmlns:r="http://schemas.openxmlformats.org/officeDocument/2006/relationships" xmlns:p="http://schemas.openxmlformats.org/presentationml/2006/main">
   <p:cSld>
     <p:spTree>
